--- a/14_big_data/09-Gercek-Zamanli-Akan-Veri-İsleme/02_spark_structured_streaming.pptx
+++ b/14_big_data/09-Gercek-Zamanli-Akan-Veri-İsleme/02_spark_structured_streaming.pptx
@@ -864,6 +864,465 @@
       </pc:sldChg>
     </pc:docChg>
   </pc:docChgLst>
+  <pc:docChgLst>
+    <pc:chgData name="Erkan ŞİRİN" userId="7f10ce1d6aaf8c5d" providerId="LiveId" clId="{517B7E0E-538B-4993-976A-F564DCFF2D40}"/>
+    <pc:docChg chg="custSel modSld">
+      <pc:chgData name="Erkan ŞİRİN" userId="7f10ce1d6aaf8c5d" providerId="LiveId" clId="{517B7E0E-538B-4993-976A-F564DCFF2D40}" dt="2019-07-23T20:59:44.401" v="29" actId="478"/>
+      <pc:docMkLst>
+        <pc:docMk/>
+      </pc:docMkLst>
+      <pc:sldChg chg="delSp">
+        <pc:chgData name="Erkan ŞİRİN" userId="7f10ce1d6aaf8c5d" providerId="LiveId" clId="{517B7E0E-538B-4993-976A-F564DCFF2D40}" dt="2019-07-23T20:59:11.706" v="0" actId="478"/>
+        <pc:sldMkLst>
+          <pc:docMk/>
+          <pc:sldMk cId="1416118015" sldId="257"/>
+        </pc:sldMkLst>
+        <pc:picChg chg="del">
+          <ac:chgData name="Erkan ŞİRİN" userId="7f10ce1d6aaf8c5d" providerId="LiveId" clId="{517B7E0E-538B-4993-976A-F564DCFF2D40}" dt="2019-07-23T20:59:11.706" v="0" actId="478"/>
+          <ac:picMkLst>
+            <pc:docMk/>
+            <pc:sldMk cId="1416118015" sldId="257"/>
+            <ac:picMk id="48" creationId="{0B453A46-F95D-47A0-A4A9-E0104940A89D}"/>
+          </ac:picMkLst>
+        </pc:picChg>
+      </pc:sldChg>
+      <pc:sldChg chg="delSp">
+        <pc:chgData name="Erkan ŞİRİN" userId="7f10ce1d6aaf8c5d" providerId="LiveId" clId="{517B7E0E-538B-4993-976A-F564DCFF2D40}" dt="2019-07-23T20:59:13.031" v="1" actId="478"/>
+        <pc:sldMkLst>
+          <pc:docMk/>
+          <pc:sldMk cId="51891622" sldId="281"/>
+        </pc:sldMkLst>
+        <pc:picChg chg="del">
+          <ac:chgData name="Erkan ŞİRİN" userId="7f10ce1d6aaf8c5d" providerId="LiveId" clId="{517B7E0E-538B-4993-976A-F564DCFF2D40}" dt="2019-07-23T20:59:13.031" v="1" actId="478"/>
+          <ac:picMkLst>
+            <pc:docMk/>
+            <pc:sldMk cId="51891622" sldId="281"/>
+            <ac:picMk id="18" creationId="{5C431809-C867-454F-BBAE-FD11A7BC730A}"/>
+          </ac:picMkLst>
+        </pc:picChg>
+      </pc:sldChg>
+      <pc:sldChg chg="delSp">
+        <pc:chgData name="Erkan ŞİRİN" userId="7f10ce1d6aaf8c5d" providerId="LiveId" clId="{517B7E0E-538B-4993-976A-F564DCFF2D40}" dt="2019-07-23T20:59:15.289" v="3" actId="478"/>
+        <pc:sldMkLst>
+          <pc:docMk/>
+          <pc:sldMk cId="3418202799" sldId="318"/>
+        </pc:sldMkLst>
+        <pc:picChg chg="del">
+          <ac:chgData name="Erkan ŞİRİN" userId="7f10ce1d6aaf8c5d" providerId="LiveId" clId="{517B7E0E-538B-4993-976A-F564DCFF2D40}" dt="2019-07-23T20:59:15.289" v="3" actId="478"/>
+          <ac:picMkLst>
+            <pc:docMk/>
+            <pc:sldMk cId="3418202799" sldId="318"/>
+            <ac:picMk id="13" creationId="{20C0C293-D455-4D6E-849F-E944102B4775}"/>
+          </ac:picMkLst>
+        </pc:picChg>
+      </pc:sldChg>
+      <pc:sldChg chg="delSp">
+        <pc:chgData name="Erkan ŞİRİN" userId="7f10ce1d6aaf8c5d" providerId="LiveId" clId="{517B7E0E-538B-4993-976A-F564DCFF2D40}" dt="2019-07-23T20:59:14.147" v="2" actId="478"/>
+        <pc:sldMkLst>
+          <pc:docMk/>
+          <pc:sldMk cId="2549661054" sldId="322"/>
+        </pc:sldMkLst>
+        <pc:picChg chg="del">
+          <ac:chgData name="Erkan ŞİRİN" userId="7f10ce1d6aaf8c5d" providerId="LiveId" clId="{517B7E0E-538B-4993-976A-F564DCFF2D40}" dt="2019-07-23T20:59:14.147" v="2" actId="478"/>
+          <ac:picMkLst>
+            <pc:docMk/>
+            <pc:sldMk cId="2549661054" sldId="322"/>
+            <ac:picMk id="29" creationId="{020C3C5F-7B7A-408E-9DB2-0134A7F6E158}"/>
+          </ac:picMkLst>
+        </pc:picChg>
+      </pc:sldChg>
+      <pc:sldChg chg="delSp">
+        <pc:chgData name="Erkan ŞİRİN" userId="7f10ce1d6aaf8c5d" providerId="LiveId" clId="{517B7E0E-538B-4993-976A-F564DCFF2D40}" dt="2019-07-23T20:59:16.401" v="4" actId="478"/>
+        <pc:sldMkLst>
+          <pc:docMk/>
+          <pc:sldMk cId="1019530339" sldId="323"/>
+        </pc:sldMkLst>
+        <pc:picChg chg="del">
+          <ac:chgData name="Erkan ŞİRİN" userId="7f10ce1d6aaf8c5d" providerId="LiveId" clId="{517B7E0E-538B-4993-976A-F564DCFF2D40}" dt="2019-07-23T20:59:16.401" v="4" actId="478"/>
+          <ac:picMkLst>
+            <pc:docMk/>
+            <pc:sldMk cId="1019530339" sldId="323"/>
+            <ac:picMk id="47" creationId="{DD29E3D5-AA5E-4545-8BB0-7AD301F21E60}"/>
+          </ac:picMkLst>
+        </pc:picChg>
+      </pc:sldChg>
+      <pc:sldChg chg="delSp">
+        <pc:chgData name="Erkan ŞİRİN" userId="7f10ce1d6aaf8c5d" providerId="LiveId" clId="{517B7E0E-538B-4993-976A-F564DCFF2D40}" dt="2019-07-23T20:59:17.538" v="5" actId="478"/>
+        <pc:sldMkLst>
+          <pc:docMk/>
+          <pc:sldMk cId="113551369" sldId="324"/>
+        </pc:sldMkLst>
+        <pc:picChg chg="del">
+          <ac:chgData name="Erkan ŞİRİN" userId="7f10ce1d6aaf8c5d" providerId="LiveId" clId="{517B7E0E-538B-4993-976A-F564DCFF2D40}" dt="2019-07-23T20:59:17.538" v="5" actId="478"/>
+          <ac:picMkLst>
+            <pc:docMk/>
+            <pc:sldMk cId="113551369" sldId="324"/>
+            <ac:picMk id="13" creationId="{5DF290FB-93ED-44E2-BB17-9600F8304AC6}"/>
+          </ac:picMkLst>
+        </pc:picChg>
+      </pc:sldChg>
+      <pc:sldChg chg="delSp">
+        <pc:chgData name="Erkan ŞİRİN" userId="7f10ce1d6aaf8c5d" providerId="LiveId" clId="{517B7E0E-538B-4993-976A-F564DCFF2D40}" dt="2019-07-23T20:59:18.608" v="6" actId="478"/>
+        <pc:sldMkLst>
+          <pc:docMk/>
+          <pc:sldMk cId="1556076613" sldId="325"/>
+        </pc:sldMkLst>
+        <pc:picChg chg="del">
+          <ac:chgData name="Erkan ŞİRİN" userId="7f10ce1d6aaf8c5d" providerId="LiveId" clId="{517B7E0E-538B-4993-976A-F564DCFF2D40}" dt="2019-07-23T20:59:18.608" v="6" actId="478"/>
+          <ac:picMkLst>
+            <pc:docMk/>
+            <pc:sldMk cId="1556076613" sldId="325"/>
+            <ac:picMk id="13" creationId="{99D2EA27-E2E5-449F-9D86-8655BF16E860}"/>
+          </ac:picMkLst>
+        </pc:picChg>
+      </pc:sldChg>
+      <pc:sldChg chg="delSp">
+        <pc:chgData name="Erkan ŞİRİN" userId="7f10ce1d6aaf8c5d" providerId="LiveId" clId="{517B7E0E-538B-4993-976A-F564DCFF2D40}" dt="2019-07-23T20:59:20.844" v="8" actId="478"/>
+        <pc:sldMkLst>
+          <pc:docMk/>
+          <pc:sldMk cId="902148237" sldId="326"/>
+        </pc:sldMkLst>
+        <pc:picChg chg="del">
+          <ac:chgData name="Erkan ŞİRİN" userId="7f10ce1d6aaf8c5d" providerId="LiveId" clId="{517B7E0E-538B-4993-976A-F564DCFF2D40}" dt="2019-07-23T20:59:20.844" v="8" actId="478"/>
+          <ac:picMkLst>
+            <pc:docMk/>
+            <pc:sldMk cId="902148237" sldId="326"/>
+            <ac:picMk id="24" creationId="{5213C6CB-8360-470C-B6DC-8308BE34CD08}"/>
+          </ac:picMkLst>
+        </pc:picChg>
+      </pc:sldChg>
+      <pc:sldChg chg="delSp">
+        <pc:chgData name="Erkan ŞİRİN" userId="7f10ce1d6aaf8c5d" providerId="LiveId" clId="{517B7E0E-538B-4993-976A-F564DCFF2D40}" dt="2019-07-23T20:59:23.241" v="10" actId="478"/>
+        <pc:sldMkLst>
+          <pc:docMk/>
+          <pc:sldMk cId="2918032159" sldId="327"/>
+        </pc:sldMkLst>
+        <pc:picChg chg="del">
+          <ac:chgData name="Erkan ŞİRİN" userId="7f10ce1d6aaf8c5d" providerId="LiveId" clId="{517B7E0E-538B-4993-976A-F564DCFF2D40}" dt="2019-07-23T20:59:23.241" v="10" actId="478"/>
+          <ac:picMkLst>
+            <pc:docMk/>
+            <pc:sldMk cId="2918032159" sldId="327"/>
+            <ac:picMk id="13" creationId="{B3651DA2-E01F-4377-9762-8637F09665F4}"/>
+          </ac:picMkLst>
+        </pc:picChg>
+      </pc:sldChg>
+      <pc:sldChg chg="delSp">
+        <pc:chgData name="Erkan ŞİRİN" userId="7f10ce1d6aaf8c5d" providerId="LiveId" clId="{517B7E0E-538B-4993-976A-F564DCFF2D40}" dt="2019-07-23T20:59:19.662" v="7" actId="478"/>
+        <pc:sldMkLst>
+          <pc:docMk/>
+          <pc:sldMk cId="4290953915" sldId="329"/>
+        </pc:sldMkLst>
+        <pc:picChg chg="del">
+          <ac:chgData name="Erkan ŞİRİN" userId="7f10ce1d6aaf8c5d" providerId="LiveId" clId="{517B7E0E-538B-4993-976A-F564DCFF2D40}" dt="2019-07-23T20:59:19.662" v="7" actId="478"/>
+          <ac:picMkLst>
+            <pc:docMk/>
+            <pc:sldMk cId="4290953915" sldId="329"/>
+            <ac:picMk id="22" creationId="{C4669F1A-46D9-4A44-9A3F-294FCBAADA6F}"/>
+          </ac:picMkLst>
+        </pc:picChg>
+      </pc:sldChg>
+      <pc:sldChg chg="delSp">
+        <pc:chgData name="Erkan ŞİRİN" userId="7f10ce1d6aaf8c5d" providerId="LiveId" clId="{517B7E0E-538B-4993-976A-F564DCFF2D40}" dt="2019-07-23T20:59:21.933" v="9" actId="478"/>
+        <pc:sldMkLst>
+          <pc:docMk/>
+          <pc:sldMk cId="4208483706" sldId="330"/>
+        </pc:sldMkLst>
+        <pc:picChg chg="del">
+          <ac:chgData name="Erkan ŞİRİN" userId="7f10ce1d6aaf8c5d" providerId="LiveId" clId="{517B7E0E-538B-4993-976A-F564DCFF2D40}" dt="2019-07-23T20:59:21.933" v="9" actId="478"/>
+          <ac:picMkLst>
+            <pc:docMk/>
+            <pc:sldMk cId="4208483706" sldId="330"/>
+            <ac:picMk id="24" creationId="{172C6EC8-1A8C-44B8-B0CA-FE14FC3D6DB3}"/>
+          </ac:picMkLst>
+        </pc:picChg>
+      </pc:sldChg>
+      <pc:sldChg chg="delSp">
+        <pc:chgData name="Erkan ŞİRİN" userId="7f10ce1d6aaf8c5d" providerId="LiveId" clId="{517B7E0E-538B-4993-976A-F564DCFF2D40}" dt="2019-07-23T20:59:24.332" v="11" actId="478"/>
+        <pc:sldMkLst>
+          <pc:docMk/>
+          <pc:sldMk cId="1375034651" sldId="331"/>
+        </pc:sldMkLst>
+        <pc:picChg chg="del">
+          <ac:chgData name="Erkan ŞİRİN" userId="7f10ce1d6aaf8c5d" providerId="LiveId" clId="{517B7E0E-538B-4993-976A-F564DCFF2D40}" dt="2019-07-23T20:59:24.332" v="11" actId="478"/>
+          <ac:picMkLst>
+            <pc:docMk/>
+            <pc:sldMk cId="1375034651" sldId="331"/>
+            <ac:picMk id="14" creationId="{9C153A24-61F4-4798-B451-D1F5AA57EE95}"/>
+          </ac:picMkLst>
+        </pc:picChg>
+      </pc:sldChg>
+      <pc:sldChg chg="delSp">
+        <pc:chgData name="Erkan ŞİRİN" userId="7f10ce1d6aaf8c5d" providerId="LiveId" clId="{517B7E0E-538B-4993-976A-F564DCFF2D40}" dt="2019-07-23T20:59:25.374" v="12" actId="478"/>
+        <pc:sldMkLst>
+          <pc:docMk/>
+          <pc:sldMk cId="1102957921" sldId="332"/>
+        </pc:sldMkLst>
+        <pc:picChg chg="del">
+          <ac:chgData name="Erkan ŞİRİN" userId="7f10ce1d6aaf8c5d" providerId="LiveId" clId="{517B7E0E-538B-4993-976A-F564DCFF2D40}" dt="2019-07-23T20:59:25.374" v="12" actId="478"/>
+          <ac:picMkLst>
+            <pc:docMk/>
+            <pc:sldMk cId="1102957921" sldId="332"/>
+            <ac:picMk id="18" creationId="{407157FB-3BD2-4C09-BEC1-697336AC0417}"/>
+          </ac:picMkLst>
+        </pc:picChg>
+      </pc:sldChg>
+      <pc:sldChg chg="delSp">
+        <pc:chgData name="Erkan ŞİRİN" userId="7f10ce1d6aaf8c5d" providerId="LiveId" clId="{517B7E0E-538B-4993-976A-F564DCFF2D40}" dt="2019-07-23T20:59:26.434" v="13" actId="478"/>
+        <pc:sldMkLst>
+          <pc:docMk/>
+          <pc:sldMk cId="1852795956" sldId="333"/>
+        </pc:sldMkLst>
+        <pc:picChg chg="del">
+          <ac:chgData name="Erkan ŞİRİN" userId="7f10ce1d6aaf8c5d" providerId="LiveId" clId="{517B7E0E-538B-4993-976A-F564DCFF2D40}" dt="2019-07-23T20:59:26.434" v="13" actId="478"/>
+          <ac:picMkLst>
+            <pc:docMk/>
+            <pc:sldMk cId="1852795956" sldId="333"/>
+            <ac:picMk id="21" creationId="{5D723330-291E-4970-9D5A-ACFA6AB658A4}"/>
+          </ac:picMkLst>
+        </pc:picChg>
+      </pc:sldChg>
+      <pc:sldChg chg="delSp">
+        <pc:chgData name="Erkan ŞİRİN" userId="7f10ce1d6aaf8c5d" providerId="LiveId" clId="{517B7E0E-538B-4993-976A-F564DCFF2D40}" dt="2019-07-23T20:59:27.533" v="14" actId="478"/>
+        <pc:sldMkLst>
+          <pc:docMk/>
+          <pc:sldMk cId="2969374044" sldId="335"/>
+        </pc:sldMkLst>
+        <pc:picChg chg="del">
+          <ac:chgData name="Erkan ŞİRİN" userId="7f10ce1d6aaf8c5d" providerId="LiveId" clId="{517B7E0E-538B-4993-976A-F564DCFF2D40}" dt="2019-07-23T20:59:27.533" v="14" actId="478"/>
+          <ac:picMkLst>
+            <pc:docMk/>
+            <pc:sldMk cId="2969374044" sldId="335"/>
+            <ac:picMk id="25" creationId="{10A9F1A2-4837-4734-BF48-732FB6473489}"/>
+          </ac:picMkLst>
+        </pc:picChg>
+      </pc:sldChg>
+      <pc:sldChg chg="delSp">
+        <pc:chgData name="Erkan ŞİRİN" userId="7f10ce1d6aaf8c5d" providerId="LiveId" clId="{517B7E0E-538B-4993-976A-F564DCFF2D40}" dt="2019-07-23T20:59:28.587" v="15" actId="478"/>
+        <pc:sldMkLst>
+          <pc:docMk/>
+          <pc:sldMk cId="326815965" sldId="336"/>
+        </pc:sldMkLst>
+        <pc:picChg chg="del">
+          <ac:chgData name="Erkan ŞİRİN" userId="7f10ce1d6aaf8c5d" providerId="LiveId" clId="{517B7E0E-538B-4993-976A-F564DCFF2D40}" dt="2019-07-23T20:59:28.587" v="15" actId="478"/>
+          <ac:picMkLst>
+            <pc:docMk/>
+            <pc:sldMk cId="326815965" sldId="336"/>
+            <ac:picMk id="18" creationId="{7F5E2E3C-A920-40FB-82F4-1180EE0A9117}"/>
+          </ac:picMkLst>
+        </pc:picChg>
+      </pc:sldChg>
+      <pc:sldChg chg="delSp">
+        <pc:chgData name="Erkan ŞİRİN" userId="7f10ce1d6aaf8c5d" providerId="LiveId" clId="{517B7E0E-538B-4993-976A-F564DCFF2D40}" dt="2019-07-23T20:59:29.655" v="16" actId="478"/>
+        <pc:sldMkLst>
+          <pc:docMk/>
+          <pc:sldMk cId="165180499" sldId="337"/>
+        </pc:sldMkLst>
+        <pc:picChg chg="del">
+          <ac:chgData name="Erkan ŞİRİN" userId="7f10ce1d6aaf8c5d" providerId="LiveId" clId="{517B7E0E-538B-4993-976A-F564DCFF2D40}" dt="2019-07-23T20:59:29.655" v="16" actId="478"/>
+          <ac:picMkLst>
+            <pc:docMk/>
+            <pc:sldMk cId="165180499" sldId="337"/>
+            <ac:picMk id="14" creationId="{B365BF7F-82F8-431B-9C8B-F9234F4F8EF9}"/>
+          </ac:picMkLst>
+        </pc:picChg>
+      </pc:sldChg>
+      <pc:sldChg chg="delSp">
+        <pc:chgData name="Erkan ŞİRİN" userId="7f10ce1d6aaf8c5d" providerId="LiveId" clId="{517B7E0E-538B-4993-976A-F564DCFF2D40}" dt="2019-07-23T20:59:30.677" v="17" actId="478"/>
+        <pc:sldMkLst>
+          <pc:docMk/>
+          <pc:sldMk cId="4133479070" sldId="338"/>
+        </pc:sldMkLst>
+        <pc:picChg chg="del">
+          <ac:chgData name="Erkan ŞİRİN" userId="7f10ce1d6aaf8c5d" providerId="LiveId" clId="{517B7E0E-538B-4993-976A-F564DCFF2D40}" dt="2019-07-23T20:59:30.677" v="17" actId="478"/>
+          <ac:picMkLst>
+            <pc:docMk/>
+            <pc:sldMk cId="4133479070" sldId="338"/>
+            <ac:picMk id="13" creationId="{59D6099E-8845-4320-B517-3CB892456BD5}"/>
+          </ac:picMkLst>
+        </pc:picChg>
+      </pc:sldChg>
+      <pc:sldChg chg="delSp">
+        <pc:chgData name="Erkan ŞİRİN" userId="7f10ce1d6aaf8c5d" providerId="LiveId" clId="{517B7E0E-538B-4993-976A-F564DCFF2D40}" dt="2019-07-23T20:59:31.740" v="18" actId="478"/>
+        <pc:sldMkLst>
+          <pc:docMk/>
+          <pc:sldMk cId="1743208701" sldId="340"/>
+        </pc:sldMkLst>
+        <pc:picChg chg="del">
+          <ac:chgData name="Erkan ŞİRİN" userId="7f10ce1d6aaf8c5d" providerId="LiveId" clId="{517B7E0E-538B-4993-976A-F564DCFF2D40}" dt="2019-07-23T20:59:31.740" v="18" actId="478"/>
+          <ac:picMkLst>
+            <pc:docMk/>
+            <pc:sldMk cId="1743208701" sldId="340"/>
+            <ac:picMk id="60" creationId="{1878A9D9-37AE-4B1A-A559-00B738AFDDAD}"/>
+          </ac:picMkLst>
+        </pc:picChg>
+      </pc:sldChg>
+      <pc:sldChg chg="delSp">
+        <pc:chgData name="Erkan ŞİRİN" userId="7f10ce1d6aaf8c5d" providerId="LiveId" clId="{517B7E0E-538B-4993-976A-F564DCFF2D40}" dt="2019-07-23T20:59:33.853" v="20" actId="478"/>
+        <pc:sldMkLst>
+          <pc:docMk/>
+          <pc:sldMk cId="1792078551" sldId="341"/>
+        </pc:sldMkLst>
+        <pc:picChg chg="del">
+          <ac:chgData name="Erkan ŞİRİN" userId="7f10ce1d6aaf8c5d" providerId="LiveId" clId="{517B7E0E-538B-4993-976A-F564DCFF2D40}" dt="2019-07-23T20:59:33.853" v="20" actId="478"/>
+          <ac:picMkLst>
+            <pc:docMk/>
+            <pc:sldMk cId="1792078551" sldId="341"/>
+            <ac:picMk id="53" creationId="{E4621023-1204-45A2-9CA5-0B2017392DF9}"/>
+          </ac:picMkLst>
+        </pc:picChg>
+      </pc:sldChg>
+      <pc:sldChg chg="delSp">
+        <pc:chgData name="Erkan ŞİRİN" userId="7f10ce1d6aaf8c5d" providerId="LiveId" clId="{517B7E0E-538B-4993-976A-F564DCFF2D40}" dt="2019-07-23T20:59:32.812" v="19" actId="478"/>
+        <pc:sldMkLst>
+          <pc:docMk/>
+          <pc:sldMk cId="814029727" sldId="342"/>
+        </pc:sldMkLst>
+        <pc:picChg chg="del">
+          <ac:chgData name="Erkan ŞİRİN" userId="7f10ce1d6aaf8c5d" providerId="LiveId" clId="{517B7E0E-538B-4993-976A-F564DCFF2D40}" dt="2019-07-23T20:59:32.812" v="19" actId="478"/>
+          <ac:picMkLst>
+            <pc:docMk/>
+            <pc:sldMk cId="814029727" sldId="342"/>
+            <ac:picMk id="13" creationId="{E2D78587-2E1C-4116-99E6-476DBC4B6BFB}"/>
+          </ac:picMkLst>
+        </pc:picChg>
+      </pc:sldChg>
+      <pc:sldChg chg="delSp">
+        <pc:chgData name="Erkan ŞİRİN" userId="7f10ce1d6aaf8c5d" providerId="LiveId" clId="{517B7E0E-538B-4993-976A-F564DCFF2D40}" dt="2019-07-23T20:59:34.976" v="21" actId="478"/>
+        <pc:sldMkLst>
+          <pc:docMk/>
+          <pc:sldMk cId="1223962806" sldId="343"/>
+        </pc:sldMkLst>
+        <pc:picChg chg="del">
+          <ac:chgData name="Erkan ŞİRİN" userId="7f10ce1d6aaf8c5d" providerId="LiveId" clId="{517B7E0E-538B-4993-976A-F564DCFF2D40}" dt="2019-07-23T20:59:34.976" v="21" actId="478"/>
+          <ac:picMkLst>
+            <pc:docMk/>
+            <pc:sldMk cId="1223962806" sldId="343"/>
+            <ac:picMk id="20" creationId="{A0F125BE-4265-4E29-B309-109653464160}"/>
+          </ac:picMkLst>
+        </pc:picChg>
+      </pc:sldChg>
+      <pc:sldChg chg="delSp">
+        <pc:chgData name="Erkan ŞİRİN" userId="7f10ce1d6aaf8c5d" providerId="LiveId" clId="{517B7E0E-538B-4993-976A-F564DCFF2D40}" dt="2019-07-23T20:59:36.063" v="22" actId="478"/>
+        <pc:sldMkLst>
+          <pc:docMk/>
+          <pc:sldMk cId="2608558481" sldId="344"/>
+        </pc:sldMkLst>
+        <pc:picChg chg="del">
+          <ac:chgData name="Erkan ŞİRİN" userId="7f10ce1d6aaf8c5d" providerId="LiveId" clId="{517B7E0E-538B-4993-976A-F564DCFF2D40}" dt="2019-07-23T20:59:36.063" v="22" actId="478"/>
+          <ac:picMkLst>
+            <pc:docMk/>
+            <pc:sldMk cId="2608558481" sldId="344"/>
+            <ac:picMk id="18" creationId="{612B0BA6-6B31-4EF8-8D15-ACCE00F4A89F}"/>
+          </ac:picMkLst>
+        </pc:picChg>
+      </pc:sldChg>
+      <pc:sldChg chg="delSp">
+        <pc:chgData name="Erkan ŞİRİN" userId="7f10ce1d6aaf8c5d" providerId="LiveId" clId="{517B7E0E-538B-4993-976A-F564DCFF2D40}" dt="2019-07-23T20:59:37.310" v="23" actId="478"/>
+        <pc:sldMkLst>
+          <pc:docMk/>
+          <pc:sldMk cId="4190628790" sldId="345"/>
+        </pc:sldMkLst>
+        <pc:picChg chg="del">
+          <ac:chgData name="Erkan ŞİRİN" userId="7f10ce1d6aaf8c5d" providerId="LiveId" clId="{517B7E0E-538B-4993-976A-F564DCFF2D40}" dt="2019-07-23T20:59:37.310" v="23" actId="478"/>
+          <ac:picMkLst>
+            <pc:docMk/>
+            <pc:sldMk cId="4190628790" sldId="345"/>
+            <ac:picMk id="14" creationId="{7B8B44D9-E67F-463A-B28A-EC1B8A3447A4}"/>
+          </ac:picMkLst>
+        </pc:picChg>
+      </pc:sldChg>
+      <pc:sldChg chg="delSp">
+        <pc:chgData name="Erkan ŞİRİN" userId="7f10ce1d6aaf8c5d" providerId="LiveId" clId="{517B7E0E-538B-4993-976A-F564DCFF2D40}" dt="2019-07-23T20:59:38.333" v="24" actId="478"/>
+        <pc:sldMkLst>
+          <pc:docMk/>
+          <pc:sldMk cId="4185330469" sldId="346"/>
+        </pc:sldMkLst>
+        <pc:picChg chg="del">
+          <ac:chgData name="Erkan ŞİRİN" userId="7f10ce1d6aaf8c5d" providerId="LiveId" clId="{517B7E0E-538B-4993-976A-F564DCFF2D40}" dt="2019-07-23T20:59:38.333" v="24" actId="478"/>
+          <ac:picMkLst>
+            <pc:docMk/>
+            <pc:sldMk cId="4185330469" sldId="346"/>
+            <ac:picMk id="31" creationId="{D6BFAF4F-4423-4DD3-AF9C-21D59172D02D}"/>
+          </ac:picMkLst>
+        </pc:picChg>
+      </pc:sldChg>
+      <pc:sldChg chg="delSp">
+        <pc:chgData name="Erkan ŞİRİN" userId="7f10ce1d6aaf8c5d" providerId="LiveId" clId="{517B7E0E-538B-4993-976A-F564DCFF2D40}" dt="2019-07-23T20:59:39.386" v="25" actId="478"/>
+        <pc:sldMkLst>
+          <pc:docMk/>
+          <pc:sldMk cId="2356146727" sldId="347"/>
+        </pc:sldMkLst>
+        <pc:picChg chg="del">
+          <ac:chgData name="Erkan ŞİRİN" userId="7f10ce1d6aaf8c5d" providerId="LiveId" clId="{517B7E0E-538B-4993-976A-F564DCFF2D40}" dt="2019-07-23T20:59:39.386" v="25" actId="478"/>
+          <ac:picMkLst>
+            <pc:docMk/>
+            <pc:sldMk cId="2356146727" sldId="347"/>
+            <ac:picMk id="31" creationId="{142DA3A6-33D8-4D74-848F-7732D4CC093B}"/>
+          </ac:picMkLst>
+        </pc:picChg>
+      </pc:sldChg>
+      <pc:sldChg chg="delSp">
+        <pc:chgData name="Erkan ŞİRİN" userId="7f10ce1d6aaf8c5d" providerId="LiveId" clId="{517B7E0E-538B-4993-976A-F564DCFF2D40}" dt="2019-07-23T20:59:40.457" v="26" actId="478"/>
+        <pc:sldMkLst>
+          <pc:docMk/>
+          <pc:sldMk cId="3542230572" sldId="348"/>
+        </pc:sldMkLst>
+        <pc:picChg chg="del">
+          <ac:chgData name="Erkan ŞİRİN" userId="7f10ce1d6aaf8c5d" providerId="LiveId" clId="{517B7E0E-538B-4993-976A-F564DCFF2D40}" dt="2019-07-23T20:59:40.457" v="26" actId="478"/>
+          <ac:picMkLst>
+            <pc:docMk/>
+            <pc:sldMk cId="3542230572" sldId="348"/>
+            <ac:picMk id="14" creationId="{91EE2734-BD77-418E-B6BC-6087BC11C6DA}"/>
+          </ac:picMkLst>
+        </pc:picChg>
+      </pc:sldChg>
+      <pc:sldChg chg="delSp">
+        <pc:chgData name="Erkan ŞİRİN" userId="7f10ce1d6aaf8c5d" providerId="LiveId" clId="{517B7E0E-538B-4993-976A-F564DCFF2D40}" dt="2019-07-23T20:59:41.773" v="27" actId="478"/>
+        <pc:sldMkLst>
+          <pc:docMk/>
+          <pc:sldMk cId="3466228002" sldId="349"/>
+        </pc:sldMkLst>
+        <pc:picChg chg="del">
+          <ac:chgData name="Erkan ŞİRİN" userId="7f10ce1d6aaf8c5d" providerId="LiveId" clId="{517B7E0E-538B-4993-976A-F564DCFF2D40}" dt="2019-07-23T20:59:41.773" v="27" actId="478"/>
+          <ac:picMkLst>
+            <pc:docMk/>
+            <pc:sldMk cId="3466228002" sldId="349"/>
+            <ac:picMk id="18" creationId="{4861B58B-2F30-419A-9D94-64A5F0C04B14}"/>
+          </ac:picMkLst>
+        </pc:picChg>
+      </pc:sldChg>
+      <pc:sldChg chg="delSp">
+        <pc:chgData name="Erkan ŞİRİN" userId="7f10ce1d6aaf8c5d" providerId="LiveId" clId="{517B7E0E-538B-4993-976A-F564DCFF2D40}" dt="2019-07-23T20:59:43.286" v="28" actId="478"/>
+        <pc:sldMkLst>
+          <pc:docMk/>
+          <pc:sldMk cId="2375368249" sldId="350"/>
+        </pc:sldMkLst>
+        <pc:picChg chg="del">
+          <ac:chgData name="Erkan ŞİRİN" userId="7f10ce1d6aaf8c5d" providerId="LiveId" clId="{517B7E0E-538B-4993-976A-F564DCFF2D40}" dt="2019-07-23T20:59:43.286" v="28" actId="478"/>
+          <ac:picMkLst>
+            <pc:docMk/>
+            <pc:sldMk cId="2375368249" sldId="350"/>
+            <ac:picMk id="18" creationId="{82DA8EB2-EFA7-4506-B129-81448F60668C}"/>
+          </ac:picMkLst>
+        </pc:picChg>
+      </pc:sldChg>
+      <pc:sldChg chg="delSp">
+        <pc:chgData name="Erkan ŞİRİN" userId="7f10ce1d6aaf8c5d" providerId="LiveId" clId="{517B7E0E-538B-4993-976A-F564DCFF2D40}" dt="2019-07-23T20:59:44.401" v="29" actId="478"/>
+        <pc:sldMkLst>
+          <pc:docMk/>
+          <pc:sldMk cId="1630246908" sldId="351"/>
+        </pc:sldMkLst>
+        <pc:picChg chg="del">
+          <ac:chgData name="Erkan ŞİRİN" userId="7f10ce1d6aaf8c5d" providerId="LiveId" clId="{517B7E0E-538B-4993-976A-F564DCFF2D40}" dt="2019-07-23T20:59:44.401" v="29" actId="478"/>
+          <ac:picMkLst>
+            <pc:docMk/>
+            <pc:sldMk cId="1630246908" sldId="351"/>
+            <ac:picMk id="16" creationId="{58E93F49-AEA6-4C8E-A5FE-C30328FDBA30}"/>
+          </ac:picMkLst>
+        </pc:picChg>
+      </pc:sldChg>
+    </pc:docChg>
+  </pc:docChgLst>
 </pc:chgInfo>
 </file>
 
@@ -949,7 +1408,7 @@
           <a:p>
             <a:fld id="{6F77F576-AE14-466D-AA6B-335273622B21}" type="datetimeFigureOut">
               <a:rPr lang="en-US" smtClean="0"/>
-              <a:t>5/11/2019</a:t>
+              <a:t>7/23/2019</a:t>
             </a:fld>
             <a:endParaRPr lang="en-US"/>
           </a:p>
@@ -1348,7 +1807,7 @@
           <a:p>
             <a:fld id="{54AA066D-271F-4C1A-B89A-0705A7689EE9}" type="datetimeFigureOut">
               <a:rPr lang="en-US" smtClean="0"/>
-              <a:t>5/11/2019</a:t>
+              <a:t>7/23/2019</a:t>
             </a:fld>
             <a:endParaRPr lang="en-US"/>
           </a:p>
@@ -1518,7 +1977,7 @@
           <a:p>
             <a:fld id="{54AA066D-271F-4C1A-B89A-0705A7689EE9}" type="datetimeFigureOut">
               <a:rPr lang="en-US" smtClean="0"/>
-              <a:t>5/11/2019</a:t>
+              <a:t>7/23/2019</a:t>
             </a:fld>
             <a:endParaRPr lang="en-US"/>
           </a:p>
@@ -1698,7 +2157,7 @@
           <a:p>
             <a:fld id="{54AA066D-271F-4C1A-B89A-0705A7689EE9}" type="datetimeFigureOut">
               <a:rPr lang="en-US" smtClean="0"/>
-              <a:t>5/11/2019</a:t>
+              <a:t>7/23/2019</a:t>
             </a:fld>
             <a:endParaRPr lang="en-US"/>
           </a:p>
@@ -1868,7 +2327,7 @@
           <a:p>
             <a:fld id="{54AA066D-271F-4C1A-B89A-0705A7689EE9}" type="datetimeFigureOut">
               <a:rPr lang="en-US" smtClean="0"/>
-              <a:t>5/11/2019</a:t>
+              <a:t>7/23/2019</a:t>
             </a:fld>
             <a:endParaRPr lang="en-US"/>
           </a:p>
@@ -2114,7 +2573,7 @@
           <a:p>
             <a:fld id="{54AA066D-271F-4C1A-B89A-0705A7689EE9}" type="datetimeFigureOut">
               <a:rPr lang="en-US" smtClean="0"/>
-              <a:t>5/11/2019</a:t>
+              <a:t>7/23/2019</a:t>
             </a:fld>
             <a:endParaRPr lang="en-US"/>
           </a:p>
@@ -2346,7 +2805,7 @@
           <a:p>
             <a:fld id="{54AA066D-271F-4C1A-B89A-0705A7689EE9}" type="datetimeFigureOut">
               <a:rPr lang="en-US" smtClean="0"/>
-              <a:t>5/11/2019</a:t>
+              <a:t>7/23/2019</a:t>
             </a:fld>
             <a:endParaRPr lang="en-US"/>
           </a:p>
@@ -2713,7 +3172,7 @@
           <a:p>
             <a:fld id="{54AA066D-271F-4C1A-B89A-0705A7689EE9}" type="datetimeFigureOut">
               <a:rPr lang="en-US" smtClean="0"/>
-              <a:t>5/11/2019</a:t>
+              <a:t>7/23/2019</a:t>
             </a:fld>
             <a:endParaRPr lang="en-US"/>
           </a:p>
@@ -2831,7 +3290,7 @@
           <a:p>
             <a:fld id="{54AA066D-271F-4C1A-B89A-0705A7689EE9}" type="datetimeFigureOut">
               <a:rPr lang="en-US" smtClean="0"/>
-              <a:t>5/11/2019</a:t>
+              <a:t>7/23/2019</a:t>
             </a:fld>
             <a:endParaRPr lang="en-US"/>
           </a:p>
@@ -2926,7 +3385,7 @@
           <a:p>
             <a:fld id="{54AA066D-271F-4C1A-B89A-0705A7689EE9}" type="datetimeFigureOut">
               <a:rPr lang="en-US" smtClean="0"/>
-              <a:t>5/11/2019</a:t>
+              <a:t>7/23/2019</a:t>
             </a:fld>
             <a:endParaRPr lang="en-US"/>
           </a:p>
@@ -3203,7 +3662,7 @@
           <a:p>
             <a:fld id="{54AA066D-271F-4C1A-B89A-0705A7689EE9}" type="datetimeFigureOut">
               <a:rPr lang="en-US" smtClean="0"/>
-              <a:t>5/11/2019</a:t>
+              <a:t>7/23/2019</a:t>
             </a:fld>
             <a:endParaRPr lang="en-US"/>
           </a:p>
@@ -3456,7 +3915,7 @@
           <a:p>
             <a:fld id="{54AA066D-271F-4C1A-B89A-0705A7689EE9}" type="datetimeFigureOut">
               <a:rPr lang="en-US" smtClean="0"/>
-              <a:t>5/11/2019</a:t>
+              <a:t>7/23/2019</a:t>
             </a:fld>
             <a:endParaRPr lang="en-US"/>
           </a:p>
@@ -3669,7 +4128,7 @@
           <a:p>
             <a:fld id="{54AA066D-271F-4C1A-B89A-0705A7689EE9}" type="datetimeFigureOut">
               <a:rPr lang="en-US" smtClean="0"/>
-              <a:t>5/11/2019</a:t>
+              <a:t>7/23/2019</a:t>
             </a:fld>
             <a:endParaRPr lang="en-US"/>
           </a:p>
@@ -5678,42 +6137,6 @@
           </p:txBody>
         </p:sp>
       </p:grpSp>
-      <p:pic>
-        <p:nvPicPr>
-          <p:cNvPr id="48" name="Resim 47">
-            <a:extLst>
-              <a:ext uri="{FF2B5EF4-FFF2-40B4-BE49-F238E27FC236}">
-                <a16:creationId xmlns:a16="http://schemas.microsoft.com/office/drawing/2014/main" id="{0B453A46-F95D-47A0-A4A9-E0104940A89D}"/>
-              </a:ext>
-            </a:extLst>
-          </p:cNvPr>
-          <p:cNvPicPr>
-            <a:picLocks noChangeAspect="1"/>
-          </p:cNvPicPr>
-          <p:nvPr/>
-        </p:nvPicPr>
-        <p:blipFill>
-          <a:blip r:embed="rId3">
-            <a:extLst>
-              <a:ext uri="{28A0092B-C50C-407E-A947-70E740481C1C}">
-                <a14:useLocalDpi xmlns:a14="http://schemas.microsoft.com/office/drawing/2010/main" val="0"/>
-              </a:ext>
-            </a:extLst>
-          </a:blip>
-          <a:stretch>
-            <a:fillRect/>
-          </a:stretch>
-        </p:blipFill>
-        <p:spPr>
-          <a:xfrm>
-            <a:off x="340622" y="6362072"/>
-            <a:ext cx="2154700" cy="308365"/>
-          </a:xfrm>
-          <a:prstGeom prst="rect">
-            <a:avLst/>
-          </a:prstGeom>
-        </p:spPr>
-      </p:pic>
     </p:spTree>
     <p:extLst>
       <p:ext uri="{BB962C8B-B14F-4D97-AF65-F5344CB8AC3E}">
@@ -6294,42 +6717,6 @@
           </a:prstGeom>
         </p:spPr>
       </p:pic>
-      <p:pic>
-        <p:nvPicPr>
-          <p:cNvPr id="24" name="Resim 23">
-            <a:extLst>
-              <a:ext uri="{FF2B5EF4-FFF2-40B4-BE49-F238E27FC236}">
-                <a16:creationId xmlns:a16="http://schemas.microsoft.com/office/drawing/2014/main" id="{172C6EC8-1A8C-44B8-B0CA-FE14FC3D6DB3}"/>
-              </a:ext>
-            </a:extLst>
-          </p:cNvPr>
-          <p:cNvPicPr>
-            <a:picLocks noChangeAspect="1"/>
-          </p:cNvPicPr>
-          <p:nvPr/>
-        </p:nvPicPr>
-        <p:blipFill>
-          <a:blip r:embed="rId8">
-            <a:extLst>
-              <a:ext uri="{28A0092B-C50C-407E-A947-70E740481C1C}">
-                <a14:useLocalDpi xmlns:a14="http://schemas.microsoft.com/office/drawing/2010/main" val="0"/>
-              </a:ext>
-            </a:extLst>
-          </a:blip>
-          <a:stretch>
-            <a:fillRect/>
-          </a:stretch>
-        </p:blipFill>
-        <p:spPr>
-          <a:xfrm>
-            <a:off x="340622" y="6362072"/>
-            <a:ext cx="2154700" cy="308365"/>
-          </a:xfrm>
-          <a:prstGeom prst="rect">
-            <a:avLst/>
-          </a:prstGeom>
-        </p:spPr>
-      </p:pic>
     </p:spTree>
     <p:extLst>
       <p:ext uri="{BB962C8B-B14F-4D97-AF65-F5344CB8AC3E}">
@@ -7593,42 +7980,6 @@
           </a:p>
         </p:txBody>
       </p:sp>
-      <p:pic>
-        <p:nvPicPr>
-          <p:cNvPr id="13" name="Resim 12">
-            <a:extLst>
-              <a:ext uri="{FF2B5EF4-FFF2-40B4-BE49-F238E27FC236}">
-                <a16:creationId xmlns:a16="http://schemas.microsoft.com/office/drawing/2014/main" id="{B3651DA2-E01F-4377-9762-8637F09665F4}"/>
-              </a:ext>
-            </a:extLst>
-          </p:cNvPr>
-          <p:cNvPicPr>
-            <a:picLocks noChangeAspect="1"/>
-          </p:cNvPicPr>
-          <p:nvPr/>
-        </p:nvPicPr>
-        <p:blipFill>
-          <a:blip r:embed="rId2">
-            <a:extLst>
-              <a:ext uri="{28A0092B-C50C-407E-A947-70E740481C1C}">
-                <a14:useLocalDpi xmlns:a14="http://schemas.microsoft.com/office/drawing/2010/main" val="0"/>
-              </a:ext>
-            </a:extLst>
-          </a:blip>
-          <a:stretch>
-            <a:fillRect/>
-          </a:stretch>
-        </p:blipFill>
-        <p:spPr>
-          <a:xfrm>
-            <a:off x="340622" y="6362072"/>
-            <a:ext cx="2154700" cy="308365"/>
-          </a:xfrm>
-          <a:prstGeom prst="rect">
-            <a:avLst/>
-          </a:prstGeom>
-        </p:spPr>
-      </p:pic>
     </p:spTree>
     <p:extLst>
       <p:ext uri="{BB962C8B-B14F-4D97-AF65-F5344CB8AC3E}">
@@ -8122,42 +8473,6 @@
           <a:xfrm>
             <a:off x="6352988" y="1134104"/>
             <a:ext cx="4441135" cy="4441135"/>
-          </a:xfrm>
-          <a:prstGeom prst="rect">
-            <a:avLst/>
-          </a:prstGeom>
-        </p:spPr>
-      </p:pic>
-      <p:pic>
-        <p:nvPicPr>
-          <p:cNvPr id="14" name="Resim 13">
-            <a:extLst>
-              <a:ext uri="{FF2B5EF4-FFF2-40B4-BE49-F238E27FC236}">
-                <a16:creationId xmlns:a16="http://schemas.microsoft.com/office/drawing/2014/main" id="{9C153A24-61F4-4798-B451-D1F5AA57EE95}"/>
-              </a:ext>
-            </a:extLst>
-          </p:cNvPr>
-          <p:cNvPicPr>
-            <a:picLocks noChangeAspect="1"/>
-          </p:cNvPicPr>
-          <p:nvPr/>
-        </p:nvPicPr>
-        <p:blipFill>
-          <a:blip r:embed="rId3">
-            <a:extLst>
-              <a:ext uri="{28A0092B-C50C-407E-A947-70E740481C1C}">
-                <a14:useLocalDpi xmlns:a14="http://schemas.microsoft.com/office/drawing/2010/main" val="0"/>
-              </a:ext>
-            </a:extLst>
-          </a:blip>
-          <a:stretch>
-            <a:fillRect/>
-          </a:stretch>
-        </p:blipFill>
-        <p:spPr>
-          <a:xfrm>
-            <a:off x="340622" y="6362072"/>
-            <a:ext cx="2154700" cy="308365"/>
           </a:xfrm>
           <a:prstGeom prst="rect">
             <a:avLst/>
@@ -8682,42 +8997,6 @@
           </a:p>
         </p:txBody>
       </p:sp>
-      <p:pic>
-        <p:nvPicPr>
-          <p:cNvPr id="18" name="Resim 17">
-            <a:extLst>
-              <a:ext uri="{FF2B5EF4-FFF2-40B4-BE49-F238E27FC236}">
-                <a16:creationId xmlns:a16="http://schemas.microsoft.com/office/drawing/2014/main" id="{407157FB-3BD2-4C09-BEC1-697336AC0417}"/>
-              </a:ext>
-            </a:extLst>
-          </p:cNvPr>
-          <p:cNvPicPr>
-            <a:picLocks noChangeAspect="1"/>
-          </p:cNvPicPr>
-          <p:nvPr/>
-        </p:nvPicPr>
-        <p:blipFill>
-          <a:blip r:embed="rId4">
-            <a:extLst>
-              <a:ext uri="{28A0092B-C50C-407E-A947-70E740481C1C}">
-                <a14:useLocalDpi xmlns:a14="http://schemas.microsoft.com/office/drawing/2010/main" val="0"/>
-              </a:ext>
-            </a:extLst>
-          </a:blip>
-          <a:stretch>
-            <a:fillRect/>
-          </a:stretch>
-        </p:blipFill>
-        <p:spPr>
-          <a:xfrm>
-            <a:off x="340622" y="6362072"/>
-            <a:ext cx="2154700" cy="308365"/>
-          </a:xfrm>
-          <a:prstGeom prst="rect">
-            <a:avLst/>
-          </a:prstGeom>
-        </p:spPr>
-      </p:pic>
     </p:spTree>
     <p:extLst>
       <p:ext uri="{BB962C8B-B14F-4D97-AF65-F5344CB8AC3E}">
@@ -9348,42 +9627,6 @@
           </a:p>
         </p:txBody>
       </p:sp>
-      <p:pic>
-        <p:nvPicPr>
-          <p:cNvPr id="21" name="Resim 20">
-            <a:extLst>
-              <a:ext uri="{FF2B5EF4-FFF2-40B4-BE49-F238E27FC236}">
-                <a16:creationId xmlns:a16="http://schemas.microsoft.com/office/drawing/2014/main" id="{5D723330-291E-4970-9D5A-ACFA6AB658A4}"/>
-              </a:ext>
-            </a:extLst>
-          </p:cNvPr>
-          <p:cNvPicPr>
-            <a:picLocks noChangeAspect="1"/>
-          </p:cNvPicPr>
-          <p:nvPr/>
-        </p:nvPicPr>
-        <p:blipFill>
-          <a:blip r:embed="rId3">
-            <a:extLst>
-              <a:ext uri="{28A0092B-C50C-407E-A947-70E740481C1C}">
-                <a14:useLocalDpi xmlns:a14="http://schemas.microsoft.com/office/drawing/2010/main" val="0"/>
-              </a:ext>
-            </a:extLst>
-          </a:blip>
-          <a:stretch>
-            <a:fillRect/>
-          </a:stretch>
-        </p:blipFill>
-        <p:spPr>
-          <a:xfrm>
-            <a:off x="340622" y="6362072"/>
-            <a:ext cx="2154700" cy="308365"/>
-          </a:xfrm>
-          <a:prstGeom prst="rect">
-            <a:avLst/>
-          </a:prstGeom>
-        </p:spPr>
-      </p:pic>
     </p:spTree>
     <p:extLst>
       <p:ext uri="{BB962C8B-B14F-4D97-AF65-F5344CB8AC3E}">
@@ -10238,42 +10481,6 @@
           </a:p>
         </p:txBody>
       </p:sp>
-      <p:pic>
-        <p:nvPicPr>
-          <p:cNvPr id="25" name="Resim 24">
-            <a:extLst>
-              <a:ext uri="{FF2B5EF4-FFF2-40B4-BE49-F238E27FC236}">
-                <a16:creationId xmlns:a16="http://schemas.microsoft.com/office/drawing/2014/main" id="{10A9F1A2-4837-4734-BF48-732FB6473489}"/>
-              </a:ext>
-            </a:extLst>
-          </p:cNvPr>
-          <p:cNvPicPr>
-            <a:picLocks noChangeAspect="1"/>
-          </p:cNvPicPr>
-          <p:nvPr/>
-        </p:nvPicPr>
-        <p:blipFill>
-          <a:blip r:embed="rId5">
-            <a:extLst>
-              <a:ext uri="{28A0092B-C50C-407E-A947-70E740481C1C}">
-                <a14:useLocalDpi xmlns:a14="http://schemas.microsoft.com/office/drawing/2010/main" val="0"/>
-              </a:ext>
-            </a:extLst>
-          </a:blip>
-          <a:stretch>
-            <a:fillRect/>
-          </a:stretch>
-        </p:blipFill>
-        <p:spPr>
-          <a:xfrm>
-            <a:off x="340622" y="6362072"/>
-            <a:ext cx="2154700" cy="308365"/>
-          </a:xfrm>
-          <a:prstGeom prst="rect">
-            <a:avLst/>
-          </a:prstGeom>
-        </p:spPr>
-      </p:pic>
     </p:spTree>
     <p:extLst>
       <p:ext uri="{BB962C8B-B14F-4D97-AF65-F5344CB8AC3E}">
@@ -12323,42 +12530,6 @@
           </a:p>
         </p:txBody>
       </p:sp>
-      <p:pic>
-        <p:nvPicPr>
-          <p:cNvPr id="18" name="Resim 17">
-            <a:extLst>
-              <a:ext uri="{FF2B5EF4-FFF2-40B4-BE49-F238E27FC236}">
-                <a16:creationId xmlns:a16="http://schemas.microsoft.com/office/drawing/2014/main" id="{7F5E2E3C-A920-40FB-82F4-1180EE0A9117}"/>
-              </a:ext>
-            </a:extLst>
-          </p:cNvPr>
-          <p:cNvPicPr>
-            <a:picLocks noChangeAspect="1"/>
-          </p:cNvPicPr>
-          <p:nvPr/>
-        </p:nvPicPr>
-        <p:blipFill>
-          <a:blip r:embed="rId2">
-            <a:extLst>
-              <a:ext uri="{28A0092B-C50C-407E-A947-70E740481C1C}">
-                <a14:useLocalDpi xmlns:a14="http://schemas.microsoft.com/office/drawing/2010/main" val="0"/>
-              </a:ext>
-            </a:extLst>
-          </a:blip>
-          <a:stretch>
-            <a:fillRect/>
-          </a:stretch>
-        </p:blipFill>
-        <p:spPr>
-          <a:xfrm>
-            <a:off x="340622" y="6362072"/>
-            <a:ext cx="2154700" cy="308365"/>
-          </a:xfrm>
-          <a:prstGeom prst="rect">
-            <a:avLst/>
-          </a:prstGeom>
-        </p:spPr>
-      </p:pic>
     </p:spTree>
     <p:extLst>
       <p:ext uri="{BB962C8B-B14F-4D97-AF65-F5344CB8AC3E}">
@@ -13008,42 +13179,6 @@
           </a:p>
         </p:txBody>
       </p:sp>
-      <p:pic>
-        <p:nvPicPr>
-          <p:cNvPr id="14" name="Resim 13">
-            <a:extLst>
-              <a:ext uri="{FF2B5EF4-FFF2-40B4-BE49-F238E27FC236}">
-                <a16:creationId xmlns:a16="http://schemas.microsoft.com/office/drawing/2014/main" id="{B365BF7F-82F8-431B-9C8B-F9234F4F8EF9}"/>
-              </a:ext>
-            </a:extLst>
-          </p:cNvPr>
-          <p:cNvPicPr>
-            <a:picLocks noChangeAspect="1"/>
-          </p:cNvPicPr>
-          <p:nvPr/>
-        </p:nvPicPr>
-        <p:blipFill>
-          <a:blip r:embed="rId2">
-            <a:extLst>
-              <a:ext uri="{28A0092B-C50C-407E-A947-70E740481C1C}">
-                <a14:useLocalDpi xmlns:a14="http://schemas.microsoft.com/office/drawing/2010/main" val="0"/>
-              </a:ext>
-            </a:extLst>
-          </a:blip>
-          <a:stretch>
-            <a:fillRect/>
-          </a:stretch>
-        </p:blipFill>
-        <p:spPr>
-          <a:xfrm>
-            <a:off x="340622" y="6362072"/>
-            <a:ext cx="2154700" cy="308365"/>
-          </a:xfrm>
-          <a:prstGeom prst="rect">
-            <a:avLst/>
-          </a:prstGeom>
-        </p:spPr>
-      </p:pic>
     </p:spTree>
     <p:extLst>
       <p:ext uri="{BB962C8B-B14F-4D97-AF65-F5344CB8AC3E}">
@@ -13494,42 +13629,6 @@
           </a:p>
         </p:txBody>
       </p:sp>
-      <p:pic>
-        <p:nvPicPr>
-          <p:cNvPr id="13" name="Resim 12">
-            <a:extLst>
-              <a:ext uri="{FF2B5EF4-FFF2-40B4-BE49-F238E27FC236}">
-                <a16:creationId xmlns:a16="http://schemas.microsoft.com/office/drawing/2014/main" id="{59D6099E-8845-4320-B517-3CB892456BD5}"/>
-              </a:ext>
-            </a:extLst>
-          </p:cNvPr>
-          <p:cNvPicPr>
-            <a:picLocks noChangeAspect="1"/>
-          </p:cNvPicPr>
-          <p:nvPr/>
-        </p:nvPicPr>
-        <p:blipFill>
-          <a:blip r:embed="rId2">
-            <a:extLst>
-              <a:ext uri="{28A0092B-C50C-407E-A947-70E740481C1C}">
-                <a14:useLocalDpi xmlns:a14="http://schemas.microsoft.com/office/drawing/2010/main" val="0"/>
-              </a:ext>
-            </a:extLst>
-          </a:blip>
-          <a:stretch>
-            <a:fillRect/>
-          </a:stretch>
-        </p:blipFill>
-        <p:spPr>
-          <a:xfrm>
-            <a:off x="340622" y="6362072"/>
-            <a:ext cx="2154700" cy="308365"/>
-          </a:xfrm>
-          <a:prstGeom prst="rect">
-            <a:avLst/>
-          </a:prstGeom>
-        </p:spPr>
-      </p:pic>
     </p:spTree>
     <p:extLst>
       <p:ext uri="{BB962C8B-B14F-4D97-AF65-F5344CB8AC3E}">
@@ -17721,42 +17820,6 @@
           </a:p>
         </p:txBody>
       </p:sp>
-      <p:pic>
-        <p:nvPicPr>
-          <p:cNvPr id="60" name="Resim 59">
-            <a:extLst>
-              <a:ext uri="{FF2B5EF4-FFF2-40B4-BE49-F238E27FC236}">
-                <a16:creationId xmlns:a16="http://schemas.microsoft.com/office/drawing/2014/main" id="{1878A9D9-37AE-4B1A-A559-00B738AFDDAD}"/>
-              </a:ext>
-            </a:extLst>
-          </p:cNvPr>
-          <p:cNvPicPr>
-            <a:picLocks noChangeAspect="1"/>
-          </p:cNvPicPr>
-          <p:nvPr/>
-        </p:nvPicPr>
-        <p:blipFill>
-          <a:blip r:embed="rId2">
-            <a:extLst>
-              <a:ext uri="{28A0092B-C50C-407E-A947-70E740481C1C}">
-                <a14:useLocalDpi xmlns:a14="http://schemas.microsoft.com/office/drawing/2010/main" val="0"/>
-              </a:ext>
-            </a:extLst>
-          </a:blip>
-          <a:stretch>
-            <a:fillRect/>
-          </a:stretch>
-        </p:blipFill>
-        <p:spPr>
-          <a:xfrm>
-            <a:off x="340622" y="6362072"/>
-            <a:ext cx="2154700" cy="308365"/>
-          </a:xfrm>
-          <a:prstGeom prst="rect">
-            <a:avLst/>
-          </a:prstGeom>
-        </p:spPr>
-      </p:pic>
     </p:spTree>
     <p:extLst>
       <p:ext uri="{BB962C8B-B14F-4D97-AF65-F5344CB8AC3E}">
@@ -20132,42 +20195,6 @@
           </p:spPr>
         </p:pic>
       </p:grpSp>
-      <p:pic>
-        <p:nvPicPr>
-          <p:cNvPr id="18" name="Resim 17">
-            <a:extLst>
-              <a:ext uri="{FF2B5EF4-FFF2-40B4-BE49-F238E27FC236}">
-                <a16:creationId xmlns:a16="http://schemas.microsoft.com/office/drawing/2014/main" id="{5C431809-C867-454F-BBAE-FD11A7BC730A}"/>
-              </a:ext>
-            </a:extLst>
-          </p:cNvPr>
-          <p:cNvPicPr>
-            <a:picLocks noChangeAspect="1"/>
-          </p:cNvPicPr>
-          <p:nvPr/>
-        </p:nvPicPr>
-        <p:blipFill>
-          <a:blip r:embed="rId4">
-            <a:extLst>
-              <a:ext uri="{28A0092B-C50C-407E-A947-70E740481C1C}">
-                <a14:useLocalDpi xmlns:a14="http://schemas.microsoft.com/office/drawing/2010/main" val="0"/>
-              </a:ext>
-            </a:extLst>
-          </a:blip>
-          <a:stretch>
-            <a:fillRect/>
-          </a:stretch>
-        </p:blipFill>
-        <p:spPr>
-          <a:xfrm>
-            <a:off x="340622" y="6362072"/>
-            <a:ext cx="2154700" cy="308365"/>
-          </a:xfrm>
-          <a:prstGeom prst="rect">
-            <a:avLst/>
-          </a:prstGeom>
-        </p:spPr>
-      </p:pic>
     </p:spTree>
     <p:extLst>
       <p:ext uri="{BB962C8B-B14F-4D97-AF65-F5344CB8AC3E}">
@@ -20861,42 +20888,6 @@
           </a:p>
         </p:txBody>
       </p:sp>
-      <p:pic>
-        <p:nvPicPr>
-          <p:cNvPr id="13" name="Resim 12">
-            <a:extLst>
-              <a:ext uri="{FF2B5EF4-FFF2-40B4-BE49-F238E27FC236}">
-                <a16:creationId xmlns:a16="http://schemas.microsoft.com/office/drawing/2014/main" id="{E2D78587-2E1C-4116-99E6-476DBC4B6BFB}"/>
-              </a:ext>
-            </a:extLst>
-          </p:cNvPr>
-          <p:cNvPicPr>
-            <a:picLocks noChangeAspect="1"/>
-          </p:cNvPicPr>
-          <p:nvPr/>
-        </p:nvPicPr>
-        <p:blipFill>
-          <a:blip r:embed="rId2">
-            <a:extLst>
-              <a:ext uri="{28A0092B-C50C-407E-A947-70E740481C1C}">
-                <a14:useLocalDpi xmlns:a14="http://schemas.microsoft.com/office/drawing/2010/main" val="0"/>
-              </a:ext>
-            </a:extLst>
-          </a:blip>
-          <a:stretch>
-            <a:fillRect/>
-          </a:stretch>
-        </p:blipFill>
-        <p:spPr>
-          <a:xfrm>
-            <a:off x="340622" y="6362072"/>
-            <a:ext cx="2154700" cy="308365"/>
-          </a:xfrm>
-          <a:prstGeom prst="rect">
-            <a:avLst/>
-          </a:prstGeom>
-        </p:spPr>
-      </p:pic>
     </p:spTree>
     <p:extLst>
       <p:ext uri="{BB962C8B-B14F-4D97-AF65-F5344CB8AC3E}">
@@ -24955,42 +24946,6 @@
           </a:p>
         </p:txBody>
       </p:sp>
-      <p:pic>
-        <p:nvPicPr>
-          <p:cNvPr id="53" name="Resim 52">
-            <a:extLst>
-              <a:ext uri="{FF2B5EF4-FFF2-40B4-BE49-F238E27FC236}">
-                <a16:creationId xmlns:a16="http://schemas.microsoft.com/office/drawing/2014/main" id="{E4621023-1204-45A2-9CA5-0B2017392DF9}"/>
-              </a:ext>
-            </a:extLst>
-          </p:cNvPr>
-          <p:cNvPicPr>
-            <a:picLocks noChangeAspect="1"/>
-          </p:cNvPicPr>
-          <p:nvPr/>
-        </p:nvPicPr>
-        <p:blipFill>
-          <a:blip r:embed="rId2">
-            <a:extLst>
-              <a:ext uri="{28A0092B-C50C-407E-A947-70E740481C1C}">
-                <a14:useLocalDpi xmlns:a14="http://schemas.microsoft.com/office/drawing/2010/main" val="0"/>
-              </a:ext>
-            </a:extLst>
-          </a:blip>
-          <a:stretch>
-            <a:fillRect/>
-          </a:stretch>
-        </p:blipFill>
-        <p:spPr>
-          <a:xfrm>
-            <a:off x="340622" y="6362072"/>
-            <a:ext cx="2154700" cy="308365"/>
-          </a:xfrm>
-          <a:prstGeom prst="rect">
-            <a:avLst/>
-          </a:prstGeom>
-        </p:spPr>
-      </p:pic>
     </p:spTree>
     <p:extLst>
       <p:ext uri="{BB962C8B-B14F-4D97-AF65-F5344CB8AC3E}">
@@ -27503,42 +27458,6 @@
           </a:p>
         </p:txBody>
       </p:sp>
-      <p:pic>
-        <p:nvPicPr>
-          <p:cNvPr id="20" name="Resim 19">
-            <a:extLst>
-              <a:ext uri="{FF2B5EF4-FFF2-40B4-BE49-F238E27FC236}">
-                <a16:creationId xmlns:a16="http://schemas.microsoft.com/office/drawing/2014/main" id="{A0F125BE-4265-4E29-B309-109653464160}"/>
-              </a:ext>
-            </a:extLst>
-          </p:cNvPr>
-          <p:cNvPicPr>
-            <a:picLocks noChangeAspect="1"/>
-          </p:cNvPicPr>
-          <p:nvPr/>
-        </p:nvPicPr>
-        <p:blipFill>
-          <a:blip r:embed="rId2">
-            <a:extLst>
-              <a:ext uri="{28A0092B-C50C-407E-A947-70E740481C1C}">
-                <a14:useLocalDpi xmlns:a14="http://schemas.microsoft.com/office/drawing/2010/main" val="0"/>
-              </a:ext>
-            </a:extLst>
-          </a:blip>
-          <a:stretch>
-            <a:fillRect/>
-          </a:stretch>
-        </p:blipFill>
-        <p:spPr>
-          <a:xfrm>
-            <a:off x="340622" y="6362072"/>
-            <a:ext cx="2154700" cy="308365"/>
-          </a:xfrm>
-          <a:prstGeom prst="rect">
-            <a:avLst/>
-          </a:prstGeom>
-        </p:spPr>
-      </p:pic>
     </p:spTree>
     <p:extLst>
       <p:ext uri="{BB962C8B-B14F-4D97-AF65-F5344CB8AC3E}">
@@ -28411,42 +28330,6 @@
           </a:graphicData>
         </a:graphic>
       </p:graphicFrame>
-      <p:pic>
-        <p:nvPicPr>
-          <p:cNvPr id="18" name="Resim 17">
-            <a:extLst>
-              <a:ext uri="{FF2B5EF4-FFF2-40B4-BE49-F238E27FC236}">
-                <a16:creationId xmlns:a16="http://schemas.microsoft.com/office/drawing/2014/main" id="{612B0BA6-6B31-4EF8-8D15-ACCE00F4A89F}"/>
-              </a:ext>
-            </a:extLst>
-          </p:cNvPr>
-          <p:cNvPicPr>
-            <a:picLocks noChangeAspect="1"/>
-          </p:cNvPicPr>
-          <p:nvPr/>
-        </p:nvPicPr>
-        <p:blipFill>
-          <a:blip r:embed="rId2">
-            <a:extLst>
-              <a:ext uri="{28A0092B-C50C-407E-A947-70E740481C1C}">
-                <a14:useLocalDpi xmlns:a14="http://schemas.microsoft.com/office/drawing/2010/main" val="0"/>
-              </a:ext>
-            </a:extLst>
-          </a:blip>
-          <a:stretch>
-            <a:fillRect/>
-          </a:stretch>
-        </p:blipFill>
-        <p:spPr>
-          <a:xfrm>
-            <a:off x="340622" y="6362072"/>
-            <a:ext cx="2154700" cy="308365"/>
-          </a:xfrm>
-          <a:prstGeom prst="rect">
-            <a:avLst/>
-          </a:prstGeom>
-        </p:spPr>
-      </p:pic>
     </p:spTree>
     <p:extLst>
       <p:ext uri="{BB962C8B-B14F-4D97-AF65-F5344CB8AC3E}">
@@ -29384,42 +29267,6 @@
           </a:p>
         </p:txBody>
       </p:sp>
-      <p:pic>
-        <p:nvPicPr>
-          <p:cNvPr id="14" name="Resim 13">
-            <a:extLst>
-              <a:ext uri="{FF2B5EF4-FFF2-40B4-BE49-F238E27FC236}">
-                <a16:creationId xmlns:a16="http://schemas.microsoft.com/office/drawing/2014/main" id="{7B8B44D9-E67F-463A-B28A-EC1B8A3447A4}"/>
-              </a:ext>
-            </a:extLst>
-          </p:cNvPr>
-          <p:cNvPicPr>
-            <a:picLocks noChangeAspect="1"/>
-          </p:cNvPicPr>
-          <p:nvPr/>
-        </p:nvPicPr>
-        <p:blipFill>
-          <a:blip r:embed="rId2">
-            <a:extLst>
-              <a:ext uri="{28A0092B-C50C-407E-A947-70E740481C1C}">
-                <a14:useLocalDpi xmlns:a14="http://schemas.microsoft.com/office/drawing/2010/main" val="0"/>
-              </a:ext>
-            </a:extLst>
-          </a:blip>
-          <a:stretch>
-            <a:fillRect/>
-          </a:stretch>
-        </p:blipFill>
-        <p:spPr>
-          <a:xfrm>
-            <a:off x="340622" y="6362072"/>
-            <a:ext cx="2154700" cy="308365"/>
-          </a:xfrm>
-          <a:prstGeom prst="rect">
-            <a:avLst/>
-          </a:prstGeom>
-        </p:spPr>
-      </p:pic>
     </p:spTree>
     <p:extLst>
       <p:ext uri="{BB962C8B-B14F-4D97-AF65-F5344CB8AC3E}">
@@ -30619,42 +30466,6 @@
           </p:txBody>
         </p:sp>
       </p:grpSp>
-      <p:pic>
-        <p:nvPicPr>
-          <p:cNvPr id="31" name="Resim 30">
-            <a:extLst>
-              <a:ext uri="{FF2B5EF4-FFF2-40B4-BE49-F238E27FC236}">
-                <a16:creationId xmlns:a16="http://schemas.microsoft.com/office/drawing/2014/main" id="{D6BFAF4F-4423-4DD3-AF9C-21D59172D02D}"/>
-              </a:ext>
-            </a:extLst>
-          </p:cNvPr>
-          <p:cNvPicPr>
-            <a:picLocks noChangeAspect="1"/>
-          </p:cNvPicPr>
-          <p:nvPr/>
-        </p:nvPicPr>
-        <p:blipFill>
-          <a:blip r:embed="rId6">
-            <a:extLst>
-              <a:ext uri="{28A0092B-C50C-407E-A947-70E740481C1C}">
-                <a14:useLocalDpi xmlns:a14="http://schemas.microsoft.com/office/drawing/2010/main" val="0"/>
-              </a:ext>
-            </a:extLst>
-          </a:blip>
-          <a:stretch>
-            <a:fillRect/>
-          </a:stretch>
-        </p:blipFill>
-        <p:spPr>
-          <a:xfrm>
-            <a:off x="340622" y="6362072"/>
-            <a:ext cx="2154700" cy="308365"/>
-          </a:xfrm>
-          <a:prstGeom prst="rect">
-            <a:avLst/>
-          </a:prstGeom>
-        </p:spPr>
-      </p:pic>
     </p:spTree>
     <p:extLst>
       <p:ext uri="{BB962C8B-B14F-4D97-AF65-F5344CB8AC3E}">
@@ -32151,42 +31962,6 @@
           </p:txBody>
         </p:sp>
       </p:grpSp>
-      <p:pic>
-        <p:nvPicPr>
-          <p:cNvPr id="31" name="Resim 30">
-            <a:extLst>
-              <a:ext uri="{FF2B5EF4-FFF2-40B4-BE49-F238E27FC236}">
-                <a16:creationId xmlns:a16="http://schemas.microsoft.com/office/drawing/2014/main" id="{142DA3A6-33D8-4D74-848F-7732D4CC093B}"/>
-              </a:ext>
-            </a:extLst>
-          </p:cNvPr>
-          <p:cNvPicPr>
-            <a:picLocks noChangeAspect="1"/>
-          </p:cNvPicPr>
-          <p:nvPr/>
-        </p:nvPicPr>
-        <p:blipFill>
-          <a:blip r:embed="rId6">
-            <a:extLst>
-              <a:ext uri="{28A0092B-C50C-407E-A947-70E740481C1C}">
-                <a14:useLocalDpi xmlns:a14="http://schemas.microsoft.com/office/drawing/2010/main" val="0"/>
-              </a:ext>
-            </a:extLst>
-          </a:blip>
-          <a:stretch>
-            <a:fillRect/>
-          </a:stretch>
-        </p:blipFill>
-        <p:spPr>
-          <a:xfrm>
-            <a:off x="340622" y="6362072"/>
-            <a:ext cx="2154700" cy="308365"/>
-          </a:xfrm>
-          <a:prstGeom prst="rect">
-            <a:avLst/>
-          </a:prstGeom>
-        </p:spPr>
-      </p:pic>
     </p:spTree>
     <p:extLst>
       <p:ext uri="{BB962C8B-B14F-4D97-AF65-F5344CB8AC3E}">
@@ -32793,42 +32568,6 @@
           </a:p>
         </p:txBody>
       </p:sp>
-      <p:pic>
-        <p:nvPicPr>
-          <p:cNvPr id="14" name="Resim 13">
-            <a:extLst>
-              <a:ext uri="{FF2B5EF4-FFF2-40B4-BE49-F238E27FC236}">
-                <a16:creationId xmlns:a16="http://schemas.microsoft.com/office/drawing/2014/main" id="{91EE2734-BD77-418E-B6BC-6087BC11C6DA}"/>
-              </a:ext>
-            </a:extLst>
-          </p:cNvPr>
-          <p:cNvPicPr>
-            <a:picLocks noChangeAspect="1"/>
-          </p:cNvPicPr>
-          <p:nvPr/>
-        </p:nvPicPr>
-        <p:blipFill>
-          <a:blip r:embed="rId3">
-            <a:extLst>
-              <a:ext uri="{28A0092B-C50C-407E-A947-70E740481C1C}">
-                <a14:useLocalDpi xmlns:a14="http://schemas.microsoft.com/office/drawing/2010/main" val="0"/>
-              </a:ext>
-            </a:extLst>
-          </a:blip>
-          <a:stretch>
-            <a:fillRect/>
-          </a:stretch>
-        </p:blipFill>
-        <p:spPr>
-          <a:xfrm>
-            <a:off x="340622" y="6362072"/>
-            <a:ext cx="2154700" cy="308365"/>
-          </a:xfrm>
-          <a:prstGeom prst="rect">
-            <a:avLst/>
-          </a:prstGeom>
-        </p:spPr>
-      </p:pic>
     </p:spTree>
     <p:extLst>
       <p:ext uri="{BB962C8B-B14F-4D97-AF65-F5344CB8AC3E}">
@@ -33545,42 +33284,6 @@
           </a:p>
         </p:txBody>
       </p:sp>
-      <p:pic>
-        <p:nvPicPr>
-          <p:cNvPr id="18" name="Resim 17">
-            <a:extLst>
-              <a:ext uri="{FF2B5EF4-FFF2-40B4-BE49-F238E27FC236}">
-                <a16:creationId xmlns:a16="http://schemas.microsoft.com/office/drawing/2014/main" id="{4861B58B-2F30-419A-9D94-64A5F0C04B14}"/>
-              </a:ext>
-            </a:extLst>
-          </p:cNvPr>
-          <p:cNvPicPr>
-            <a:picLocks noChangeAspect="1"/>
-          </p:cNvPicPr>
-          <p:nvPr/>
-        </p:nvPicPr>
-        <p:blipFill>
-          <a:blip r:embed="rId4">
-            <a:extLst>
-              <a:ext uri="{28A0092B-C50C-407E-A947-70E740481C1C}">
-                <a14:useLocalDpi xmlns:a14="http://schemas.microsoft.com/office/drawing/2010/main" val="0"/>
-              </a:ext>
-            </a:extLst>
-          </a:blip>
-          <a:stretch>
-            <a:fillRect/>
-          </a:stretch>
-        </p:blipFill>
-        <p:spPr>
-          <a:xfrm>
-            <a:off x="340622" y="6362072"/>
-            <a:ext cx="2154700" cy="308365"/>
-          </a:xfrm>
-          <a:prstGeom prst="rect">
-            <a:avLst/>
-          </a:prstGeom>
-        </p:spPr>
-      </p:pic>
     </p:spTree>
     <p:extLst>
       <p:ext uri="{BB962C8B-B14F-4D97-AF65-F5344CB8AC3E}">
@@ -33951,42 +33654,6 @@
           </a:p>
         </p:txBody>
       </p:sp>
-      <p:pic>
-        <p:nvPicPr>
-          <p:cNvPr id="18" name="Resim 17">
-            <a:extLst>
-              <a:ext uri="{FF2B5EF4-FFF2-40B4-BE49-F238E27FC236}">
-                <a16:creationId xmlns:a16="http://schemas.microsoft.com/office/drawing/2014/main" id="{82DA8EB2-EFA7-4506-B129-81448F60668C}"/>
-              </a:ext>
-            </a:extLst>
-          </p:cNvPr>
-          <p:cNvPicPr>
-            <a:picLocks noChangeAspect="1"/>
-          </p:cNvPicPr>
-          <p:nvPr/>
-        </p:nvPicPr>
-        <p:blipFill>
-          <a:blip r:embed="rId4">
-            <a:extLst>
-              <a:ext uri="{28A0092B-C50C-407E-A947-70E740481C1C}">
-                <a14:useLocalDpi xmlns:a14="http://schemas.microsoft.com/office/drawing/2010/main" val="0"/>
-              </a:ext>
-            </a:extLst>
-          </a:blip>
-          <a:stretch>
-            <a:fillRect/>
-          </a:stretch>
-        </p:blipFill>
-        <p:spPr>
-          <a:xfrm>
-            <a:off x="340622" y="6362072"/>
-            <a:ext cx="2154700" cy="308365"/>
-          </a:xfrm>
-          <a:prstGeom prst="rect">
-            <a:avLst/>
-          </a:prstGeom>
-        </p:spPr>
-      </p:pic>
     </p:spTree>
     <p:extLst>
       <p:ext uri="{BB962C8B-B14F-4D97-AF65-F5344CB8AC3E}">
@@ -35755,42 +35422,6 @@
           </a:fontRef>
         </p:style>
       </p:cxnSp>
-      <p:pic>
-        <p:nvPicPr>
-          <p:cNvPr id="29" name="Resim 28">
-            <a:extLst>
-              <a:ext uri="{FF2B5EF4-FFF2-40B4-BE49-F238E27FC236}">
-                <a16:creationId xmlns:a16="http://schemas.microsoft.com/office/drawing/2014/main" id="{020C3C5F-7B7A-408E-9DB2-0134A7F6E158}"/>
-              </a:ext>
-            </a:extLst>
-          </p:cNvPr>
-          <p:cNvPicPr>
-            <a:picLocks noChangeAspect="1"/>
-          </p:cNvPicPr>
-          <p:nvPr/>
-        </p:nvPicPr>
-        <p:blipFill>
-          <a:blip r:embed="rId2">
-            <a:extLst>
-              <a:ext uri="{28A0092B-C50C-407E-A947-70E740481C1C}">
-                <a14:useLocalDpi xmlns:a14="http://schemas.microsoft.com/office/drawing/2010/main" val="0"/>
-              </a:ext>
-            </a:extLst>
-          </a:blip>
-          <a:stretch>
-            <a:fillRect/>
-          </a:stretch>
-        </p:blipFill>
-        <p:spPr>
-          <a:xfrm>
-            <a:off x="340622" y="6362072"/>
-            <a:ext cx="2154700" cy="308365"/>
-          </a:xfrm>
-          <a:prstGeom prst="rect">
-            <a:avLst/>
-          </a:prstGeom>
-        </p:spPr>
-      </p:pic>
     </p:spTree>
     <p:extLst>
       <p:ext uri="{BB962C8B-B14F-4D97-AF65-F5344CB8AC3E}">
@@ -37245,42 +36876,6 @@
           </a:p>
         </p:txBody>
       </p:sp>
-      <p:pic>
-        <p:nvPicPr>
-          <p:cNvPr id="16" name="Resim 15">
-            <a:extLst>
-              <a:ext uri="{FF2B5EF4-FFF2-40B4-BE49-F238E27FC236}">
-                <a16:creationId xmlns:a16="http://schemas.microsoft.com/office/drawing/2014/main" id="{58E93F49-AEA6-4C8E-A5FE-C30328FDBA30}"/>
-              </a:ext>
-            </a:extLst>
-          </p:cNvPr>
-          <p:cNvPicPr>
-            <a:picLocks noChangeAspect="1"/>
-          </p:cNvPicPr>
-          <p:nvPr/>
-        </p:nvPicPr>
-        <p:blipFill>
-          <a:blip r:embed="rId4">
-            <a:extLst>
-              <a:ext uri="{28A0092B-C50C-407E-A947-70E740481C1C}">
-                <a14:useLocalDpi xmlns:a14="http://schemas.microsoft.com/office/drawing/2010/main" val="0"/>
-              </a:ext>
-            </a:extLst>
-          </a:blip>
-          <a:stretch>
-            <a:fillRect/>
-          </a:stretch>
-        </p:blipFill>
-        <p:spPr>
-          <a:xfrm>
-            <a:off x="340622" y="6362072"/>
-            <a:ext cx="2154700" cy="308365"/>
-          </a:xfrm>
-          <a:prstGeom prst="rect">
-            <a:avLst/>
-          </a:prstGeom>
-        </p:spPr>
-      </p:pic>
     </p:spTree>
     <p:extLst>
       <p:ext uri="{BB962C8B-B14F-4D97-AF65-F5344CB8AC3E}">
@@ -37417,42 +37012,6 @@
           </a:p>
         </p:txBody>
       </p:sp>
-      <p:pic>
-        <p:nvPicPr>
-          <p:cNvPr id="13" name="Resim 12">
-            <a:extLst>
-              <a:ext uri="{FF2B5EF4-FFF2-40B4-BE49-F238E27FC236}">
-                <a16:creationId xmlns:a16="http://schemas.microsoft.com/office/drawing/2014/main" id="{20C0C293-D455-4D6E-849F-E944102B4775}"/>
-              </a:ext>
-            </a:extLst>
-          </p:cNvPr>
-          <p:cNvPicPr>
-            <a:picLocks noChangeAspect="1"/>
-          </p:cNvPicPr>
-          <p:nvPr/>
-        </p:nvPicPr>
-        <p:blipFill>
-          <a:blip r:embed="rId3">
-            <a:extLst>
-              <a:ext uri="{28A0092B-C50C-407E-A947-70E740481C1C}">
-                <a14:useLocalDpi xmlns:a14="http://schemas.microsoft.com/office/drawing/2010/main" val="0"/>
-              </a:ext>
-            </a:extLst>
-          </a:blip>
-          <a:stretch>
-            <a:fillRect/>
-          </a:stretch>
-        </p:blipFill>
-        <p:spPr>
-          <a:xfrm>
-            <a:off x="340622" y="6362072"/>
-            <a:ext cx="2154700" cy="308365"/>
-          </a:xfrm>
-          <a:prstGeom prst="rect">
-            <a:avLst/>
-          </a:prstGeom>
-        </p:spPr>
-      </p:pic>
     </p:spTree>
     <p:extLst>
       <p:ext uri="{BB962C8B-B14F-4D97-AF65-F5344CB8AC3E}">
@@ -40244,42 +39803,6 @@
           </p:txBody>
         </p:sp>
       </p:grpSp>
-      <p:pic>
-        <p:nvPicPr>
-          <p:cNvPr id="47" name="Resim 46">
-            <a:extLst>
-              <a:ext uri="{FF2B5EF4-FFF2-40B4-BE49-F238E27FC236}">
-                <a16:creationId xmlns:a16="http://schemas.microsoft.com/office/drawing/2014/main" id="{DD29E3D5-AA5E-4545-8BB0-7AD301F21E60}"/>
-              </a:ext>
-            </a:extLst>
-          </p:cNvPr>
-          <p:cNvPicPr>
-            <a:picLocks noChangeAspect="1"/>
-          </p:cNvPicPr>
-          <p:nvPr/>
-        </p:nvPicPr>
-        <p:blipFill>
-          <a:blip r:embed="rId2">
-            <a:extLst>
-              <a:ext uri="{28A0092B-C50C-407E-A947-70E740481C1C}">
-                <a14:useLocalDpi xmlns:a14="http://schemas.microsoft.com/office/drawing/2010/main" val="0"/>
-              </a:ext>
-            </a:extLst>
-          </a:blip>
-          <a:stretch>
-            <a:fillRect/>
-          </a:stretch>
-        </p:blipFill>
-        <p:spPr>
-          <a:xfrm>
-            <a:off x="340622" y="6362072"/>
-            <a:ext cx="2154700" cy="308365"/>
-          </a:xfrm>
-          <a:prstGeom prst="rect">
-            <a:avLst/>
-          </a:prstGeom>
-        </p:spPr>
-      </p:pic>
     </p:spTree>
     <p:extLst>
       <p:ext uri="{BB962C8B-B14F-4D97-AF65-F5344CB8AC3E}">
@@ -41850,42 +41373,6 @@
           </a:p>
         </p:txBody>
       </p:sp>
-      <p:pic>
-        <p:nvPicPr>
-          <p:cNvPr id="13" name="Resim 12">
-            <a:extLst>
-              <a:ext uri="{FF2B5EF4-FFF2-40B4-BE49-F238E27FC236}">
-                <a16:creationId xmlns:a16="http://schemas.microsoft.com/office/drawing/2014/main" id="{5DF290FB-93ED-44E2-BB17-9600F8304AC6}"/>
-              </a:ext>
-            </a:extLst>
-          </p:cNvPr>
-          <p:cNvPicPr>
-            <a:picLocks noChangeAspect="1"/>
-          </p:cNvPicPr>
-          <p:nvPr/>
-        </p:nvPicPr>
-        <p:blipFill>
-          <a:blip r:embed="rId2">
-            <a:extLst>
-              <a:ext uri="{28A0092B-C50C-407E-A947-70E740481C1C}">
-                <a14:useLocalDpi xmlns:a14="http://schemas.microsoft.com/office/drawing/2010/main" val="0"/>
-              </a:ext>
-            </a:extLst>
-          </a:blip>
-          <a:stretch>
-            <a:fillRect/>
-          </a:stretch>
-        </p:blipFill>
-        <p:spPr>
-          <a:xfrm>
-            <a:off x="340622" y="6362072"/>
-            <a:ext cx="2154700" cy="308365"/>
-          </a:xfrm>
-          <a:prstGeom prst="rect">
-            <a:avLst/>
-          </a:prstGeom>
-        </p:spPr>
-      </p:pic>
     </p:spTree>
     <p:extLst>
       <p:ext uri="{BB962C8B-B14F-4D97-AF65-F5344CB8AC3E}">
@@ -42451,42 +41938,6 @@
           </a:p>
         </p:txBody>
       </p:sp>
-      <p:pic>
-        <p:nvPicPr>
-          <p:cNvPr id="13" name="Resim 12">
-            <a:extLst>
-              <a:ext uri="{FF2B5EF4-FFF2-40B4-BE49-F238E27FC236}">
-                <a16:creationId xmlns:a16="http://schemas.microsoft.com/office/drawing/2014/main" id="{99D2EA27-E2E5-449F-9D86-8655BF16E860}"/>
-              </a:ext>
-            </a:extLst>
-          </p:cNvPr>
-          <p:cNvPicPr>
-            <a:picLocks noChangeAspect="1"/>
-          </p:cNvPicPr>
-          <p:nvPr/>
-        </p:nvPicPr>
-        <p:blipFill>
-          <a:blip r:embed="rId2">
-            <a:extLst>
-              <a:ext uri="{28A0092B-C50C-407E-A947-70E740481C1C}">
-                <a14:useLocalDpi xmlns:a14="http://schemas.microsoft.com/office/drawing/2010/main" val="0"/>
-              </a:ext>
-            </a:extLst>
-          </a:blip>
-          <a:stretch>
-            <a:fillRect/>
-          </a:stretch>
-        </p:blipFill>
-        <p:spPr>
-          <a:xfrm>
-            <a:off x="340622" y="6362072"/>
-            <a:ext cx="2154700" cy="308365"/>
-          </a:xfrm>
-          <a:prstGeom prst="rect">
-            <a:avLst/>
-          </a:prstGeom>
-        </p:spPr>
-      </p:pic>
     </p:spTree>
     <p:extLst>
       <p:ext uri="{BB962C8B-B14F-4D97-AF65-F5344CB8AC3E}">
@@ -43241,42 +42692,6 @@
           </a:prstGeom>
         </p:spPr>
       </p:pic>
-      <p:pic>
-        <p:nvPicPr>
-          <p:cNvPr id="22" name="Resim 21">
-            <a:extLst>
-              <a:ext uri="{FF2B5EF4-FFF2-40B4-BE49-F238E27FC236}">
-                <a16:creationId xmlns:a16="http://schemas.microsoft.com/office/drawing/2014/main" id="{C4669F1A-46D9-4A44-9A3F-294FCBAADA6F}"/>
-              </a:ext>
-            </a:extLst>
-          </p:cNvPr>
-          <p:cNvPicPr>
-            <a:picLocks noChangeAspect="1"/>
-          </p:cNvPicPr>
-          <p:nvPr/>
-        </p:nvPicPr>
-        <p:blipFill>
-          <a:blip r:embed="rId8">
-            <a:extLst>
-              <a:ext uri="{28A0092B-C50C-407E-A947-70E740481C1C}">
-                <a14:useLocalDpi xmlns:a14="http://schemas.microsoft.com/office/drawing/2010/main" val="0"/>
-              </a:ext>
-            </a:extLst>
-          </a:blip>
-          <a:stretch>
-            <a:fillRect/>
-          </a:stretch>
-        </p:blipFill>
-        <p:spPr>
-          <a:xfrm>
-            <a:off x="340622" y="6362072"/>
-            <a:ext cx="2154700" cy="308365"/>
-          </a:xfrm>
-          <a:prstGeom prst="rect">
-            <a:avLst/>
-          </a:prstGeom>
-        </p:spPr>
-      </p:pic>
     </p:spTree>
     <p:extLst>
       <p:ext uri="{BB962C8B-B14F-4D97-AF65-F5344CB8AC3E}">
@@ -44558,42 +43973,6 @@
           <a:xfrm flipH="1">
             <a:off x="8648125" y="1598108"/>
             <a:ext cx="636336" cy="872839"/>
-          </a:xfrm>
-          <a:prstGeom prst="rect">
-            <a:avLst/>
-          </a:prstGeom>
-        </p:spPr>
-      </p:pic>
-      <p:pic>
-        <p:nvPicPr>
-          <p:cNvPr id="24" name="Resim 23">
-            <a:extLst>
-              <a:ext uri="{FF2B5EF4-FFF2-40B4-BE49-F238E27FC236}">
-                <a16:creationId xmlns:a16="http://schemas.microsoft.com/office/drawing/2014/main" id="{5213C6CB-8360-470C-B6DC-8308BE34CD08}"/>
-              </a:ext>
-            </a:extLst>
-          </p:cNvPr>
-          <p:cNvPicPr>
-            <a:picLocks noChangeAspect="1"/>
-          </p:cNvPicPr>
-          <p:nvPr/>
-        </p:nvPicPr>
-        <p:blipFill>
-          <a:blip r:embed="rId8">
-            <a:extLst>
-              <a:ext uri="{28A0092B-C50C-407E-A947-70E740481C1C}">
-                <a14:useLocalDpi xmlns:a14="http://schemas.microsoft.com/office/drawing/2010/main" val="0"/>
-              </a:ext>
-            </a:extLst>
-          </a:blip>
-          <a:stretch>
-            <a:fillRect/>
-          </a:stretch>
-        </p:blipFill>
-        <p:spPr>
-          <a:xfrm>
-            <a:off x="340622" y="6362072"/>
-            <a:ext cx="2154700" cy="308365"/>
           </a:xfrm>
           <a:prstGeom prst="rect">
             <a:avLst/>
